--- a/translations/en-us/CoreValues/TeamIdentity.pptx
+++ b/translations/en-us/CoreValues/TeamIdentity.pptx
@@ -210,7 +210,7 @@
           <a:p>
             <a:fld id="{C528CD71-4833-D241-9C24-E07BA428460D}" type="datetimeFigureOut">
               <a:rPr lang="en-US" smtClean="0"/>
-              <a:t>7/27/18</a:t>
+              <a:t>7/9/21</a:t>
             </a:fld>
             <a:endParaRPr lang="en-US"/>
           </a:p>
@@ -734,7 +734,7 @@
             </a:r>
             <a:fld id="{691E6EB7-59B6-3248-9EA1-7490FF4DE794}" type="datetime1">
               <a:rPr lang="en-US" smtClean="0"/>
-              <a:t>7/27/18</a:t>
+              <a:t>7/9/21</a:t>
             </a:fld>
             <a:endParaRPr lang="en-US" dirty="0"/>
           </a:p>
@@ -1044,7 +1044,7 @@
           <a:p>
             <a:fld id="{2A9A2F4D-1D3F-234C-B9C7-336E10B65EEA}" type="datetime1">
               <a:rPr lang="en-US" smtClean="0"/>
-              <a:t>7/27/18</a:t>
+              <a:t>7/9/21</a:t>
             </a:fld>
             <a:endParaRPr lang="en-US" dirty="0"/>
           </a:p>
@@ -1303,7 +1303,7 @@
           <a:p>
             <a:fld id="{23A732DD-4450-D547-94AB-5BCD03AAEF9F}" type="datetime1">
               <a:rPr lang="en-US" smtClean="0"/>
-              <a:t>7/27/18</a:t>
+              <a:t>7/9/21</a:t>
             </a:fld>
             <a:endParaRPr lang="en-US" dirty="0"/>
           </a:p>
@@ -1598,7 +1598,7 @@
             </a:r>
             <a:fld id="{720B0A29-EE36-AA4C-B913-76D95CADEC11}" type="datetime1">
               <a:rPr lang="en-US" smtClean="0"/>
-              <a:t>7/27/18</a:t>
+              <a:t>7/9/21</a:t>
             </a:fld>
             <a:endParaRPr lang="en-US" dirty="0"/>
           </a:p>
@@ -2051,7 +2051,7 @@
             <a:fld id="{B61BEF0D-F0BB-DE4B-95CE-6DB70DBA9567}" type="datetimeFigureOut">
               <a:rPr lang="en-US" smtClean="0"/>
               <a:pPr/>
-              <a:t>7/27/18</a:t>
+              <a:t>7/9/21</a:t>
             </a:fld>
             <a:endParaRPr lang="en-US" dirty="0"/>
           </a:p>
@@ -2557,7 +2557,7 @@
           <a:p>
             <a:fld id="{563BBA33-2247-AD48-9F46-2405C526DA6D}" type="datetime1">
               <a:rPr lang="en-US" smtClean="0"/>
-              <a:t>7/27/18</a:t>
+              <a:t>7/9/21</a:t>
             </a:fld>
             <a:endParaRPr lang="en-US" dirty="0"/>
           </a:p>
@@ -3007,7 +3007,7 @@
           <a:p>
             <a:fld id="{E37A0713-6670-4846-B21D-7F90CC5860BF}" type="datetime1">
               <a:rPr lang="en-US" smtClean="0"/>
-              <a:t>7/27/18</a:t>
+              <a:t>7/9/21</a:t>
             </a:fld>
             <a:endParaRPr lang="en-US" dirty="0"/>
           </a:p>
@@ -3193,7 +3193,7 @@
           <a:p>
             <a:fld id="{88384E45-FBC5-2346-A08F-1A14F8C36C36}" type="datetime1">
               <a:rPr lang="en-US" smtClean="0"/>
-              <a:t>7/27/18</a:t>
+              <a:t>7/9/21</a:t>
             </a:fld>
             <a:endParaRPr lang="en-US" dirty="0"/>
           </a:p>
@@ -3317,7 +3317,7 @@
           <a:p>
             <a:fld id="{6D5F60BB-B093-6E49-ADE2-76E74B470241}" type="datetime1">
               <a:rPr lang="en-US" smtClean="0"/>
-              <a:t>7/27/18</a:t>
+              <a:t>7/9/21</a:t>
             </a:fld>
             <a:endParaRPr lang="en-US" dirty="0"/>
           </a:p>
@@ -3724,7 +3724,7 @@
           <a:p>
             <a:fld id="{5FF1ADD0-D4FD-DD4A-A91F-CB1DE51F1067}" type="datetime1">
               <a:rPr lang="en-US" smtClean="0"/>
-              <a:t>7/27/18</a:t>
+              <a:t>7/9/21</a:t>
             </a:fld>
             <a:endParaRPr lang="en-US" dirty="0"/>
           </a:p>
@@ -4042,7 +4042,7 @@
           <a:p>
             <a:fld id="{D68A31B4-C704-6440-BAE0-040CF791BCD6}" type="datetime1">
               <a:rPr lang="en-US" smtClean="0"/>
-              <a:t>7/27/18</a:t>
+              <a:t>7/9/21</a:t>
             </a:fld>
             <a:endParaRPr lang="en-US" dirty="0"/>
           </a:p>
@@ -4402,7 +4402,7 @@
             </a:r>
             <a:fld id="{4AFB4AE6-904B-214F-A9B0-C8A74DB14B36}" type="datetime1">
               <a:rPr lang="en-US" smtClean="0"/>
-              <a:t>7/27/18</a:t>
+              <a:t>7/9/21</a:t>
             </a:fld>
             <a:endParaRPr lang="en-US" dirty="0"/>
           </a:p>
@@ -5284,7 +5284,7 @@
             </a:r>
             <a:fld id="{720B0A29-EE36-AA4C-B913-76D95CADEC11}" type="datetime1">
               <a:rPr lang="en-US" smtClean="0"/>
-              <a:t>7/27/18</a:t>
+              <a:t>7/9/21</a:t>
             </a:fld>
             <a:endParaRPr lang="en-US" dirty="0"/>
           </a:p>
@@ -5541,7 +5541,7 @@
             </a:r>
             <a:fld id="{720B0A29-EE36-AA4C-B913-76D95CADEC11}" type="datetime1">
               <a:rPr lang="en-US" smtClean="0"/>
-              <a:t>7/27/18</a:t>
+              <a:t>7/9/21</a:t>
             </a:fld>
             <a:endParaRPr lang="en-US" dirty="0"/>
           </a:p>
@@ -6053,7 +6053,7 @@
             </a:r>
             <a:fld id="{720B0A29-EE36-AA4C-B913-76D95CADEC11}" type="datetime1">
               <a:rPr lang="en-US" smtClean="0"/>
-              <a:t>7/27/18</a:t>
+              <a:t>7/9/21</a:t>
             </a:fld>
             <a:endParaRPr lang="en-US" dirty="0"/>
           </a:p>
@@ -6672,7 +6672,7 @@
             </a:r>
             <a:fld id="{720B0A29-EE36-AA4C-B913-76D95CADEC11}" type="datetime1">
               <a:rPr lang="en-US" smtClean="0"/>
-              <a:t>7/27/18</a:t>
+              <a:t>7/9/21</a:t>
             </a:fld>
             <a:endParaRPr lang="en-US" dirty="0"/>
           </a:p>
@@ -6985,7 +6985,7 @@
             </a:r>
             <a:fld id="{36683BD2-4810-EF43-B5CB-A49746490A3C}" type="datetime1">
               <a:rPr lang="en-US" smtClean="0"/>
-              <a:t>7/27/18</a:t>
+              <a:t>7/9/21</a:t>
             </a:fld>
             <a:endParaRPr lang="en-US" dirty="0"/>
           </a:p>
@@ -7315,7 +7315,7 @@
             </a:r>
             <a:fld id="{720B0A29-EE36-AA4C-B913-76D95CADEC11}" type="datetime1">
               <a:rPr lang="en-US" smtClean="0"/>
-              <a:t>7/27/18</a:t>
+              <a:t>7/9/21</a:t>
             </a:fld>
             <a:endParaRPr lang="en-US" dirty="0"/>
           </a:p>
@@ -7574,7 +7574,7 @@
             </a:r>
             <a:fld id="{3BBABA86-C064-2B42-8375-87652C8C23C2}" type="datetime1">
               <a:rPr lang="en-US" smtClean="0"/>
-              <a:t>7/27/18</a:t>
+              <a:t>7/9/21</a:t>
             </a:fld>
             <a:endParaRPr lang="en-US" dirty="0"/>
           </a:p>
@@ -7737,97 +7737,6 @@
               <a:pPr/>
               <a:t>3</a:t>
             </a:fld>
-            <a:endParaRPr lang="en-US"/>
-          </a:p>
-        </p:txBody>
-      </p:sp>
-      <p:pic>
-        <p:nvPicPr>
-          <p:cNvPr id="6" name="Picture 5">
-            <a:extLst>
-              <a:ext uri="{FF2B5EF4-FFF2-40B4-BE49-F238E27FC236}">
-                <a16:creationId xmlns:a16="http://schemas.microsoft.com/office/drawing/2014/main" id="{EE8EED34-B8F4-8243-AC99-08E20BF7A02A}"/>
-              </a:ext>
-            </a:extLst>
-          </p:cNvPr>
-          <p:cNvPicPr>
-            <a:picLocks noChangeAspect="1"/>
-          </p:cNvPicPr>
-          <p:nvPr/>
-        </p:nvPicPr>
-        <p:blipFill rotWithShape="1">
-          <a:blip r:embed="rId2" cstate="print">
-            <a:extLst>
-              <a:ext uri="{28A0092B-C50C-407E-A947-70E740481C1C}">
-                <a14:useLocalDpi xmlns:a14="http://schemas.microsoft.com/office/drawing/2010/main"/>
-              </a:ext>
-            </a:extLst>
-          </a:blip>
-          <a:srcRect/>
-          <a:stretch/>
-        </p:blipFill>
-        <p:spPr>
-          <a:xfrm>
-            <a:off x="2007396" y="4843011"/>
-            <a:ext cx="5088924" cy="1440095"/>
-          </a:xfrm>
-          <a:prstGeom prst="rect">
-            <a:avLst/>
-          </a:prstGeom>
-        </p:spPr>
-      </p:pic>
-      <p:sp>
-        <p:nvSpPr>
-          <p:cNvPr id="9" name="Rectangle 8">
-            <a:extLst>
-              <a:ext uri="{FF2B5EF4-FFF2-40B4-BE49-F238E27FC236}">
-                <a16:creationId xmlns:a16="http://schemas.microsoft.com/office/drawing/2014/main" id="{F42A9C27-7FC8-6145-AE6A-0371C81384B3}"/>
-              </a:ext>
-            </a:extLst>
-          </p:cNvPr>
-          <p:cNvSpPr/>
-          <p:nvPr/>
-        </p:nvSpPr>
-        <p:spPr>
-          <a:xfrm>
-            <a:off x="2007396" y="5373986"/>
-            <a:ext cx="5134708" cy="512466"/>
-          </a:xfrm>
-          <a:prstGeom prst="rect">
-            <a:avLst/>
-          </a:prstGeom>
-          <a:solidFill>
-            <a:srgbClr val="FFFF00">
-              <a:alpha val="30000"/>
-            </a:srgbClr>
-          </a:solidFill>
-          <a:ln>
-            <a:solidFill>
-              <a:srgbClr val="FF0000"/>
-            </a:solidFill>
-          </a:ln>
-        </p:spPr>
-        <p:style>
-          <a:lnRef idx="2">
-            <a:schemeClr val="accent1">
-              <a:shade val="50000"/>
-            </a:schemeClr>
-          </a:lnRef>
-          <a:fillRef idx="1">
-            <a:schemeClr val="accent1"/>
-          </a:fillRef>
-          <a:effectRef idx="0">
-            <a:schemeClr val="accent1"/>
-          </a:effectRef>
-          <a:fontRef idx="minor">
-            <a:schemeClr val="lt1"/>
-          </a:fontRef>
-        </p:style>
-        <p:txBody>
-          <a:bodyPr rtlCol="0" anchor="ctr"/>
-          <a:lstStyle/>
-          <a:p>
-            <a:pPr algn="ctr"/>
             <a:endParaRPr lang="en-US"/>
           </a:p>
         </p:txBody>
@@ -8112,7 +8021,7 @@
             </a:r>
             <a:fld id="{720B0A29-EE36-AA4C-B913-76D95CADEC11}" type="datetime1">
               <a:rPr lang="en-US" smtClean="0"/>
-              <a:t>7/27/18</a:t>
+              <a:t>7/9/21</a:t>
             </a:fld>
             <a:endParaRPr lang="en-US" dirty="0"/>
           </a:p>
@@ -8262,7 +8171,7 @@
             </a:r>
             <a:fld id="{720B0A29-EE36-AA4C-B913-76D95CADEC11}" type="datetime1">
               <a:rPr lang="en-US" smtClean="0"/>
-              <a:t>7/27/18</a:t>
+              <a:t>7/9/21</a:t>
             </a:fld>
             <a:endParaRPr lang="en-US" dirty="0"/>
           </a:p>
@@ -10399,7 +10308,7 @@
             </a:r>
             <a:fld id="{720B0A29-EE36-AA4C-B913-76D95CADEC11}" type="datetime1">
               <a:rPr lang="en-US" smtClean="0"/>
-              <a:t>7/27/18</a:t>
+              <a:t>7/9/21</a:t>
             </a:fld>
             <a:endParaRPr lang="en-US" dirty="0"/>
           </a:p>
@@ -11330,7 +11239,7 @@
             </a:r>
             <a:fld id="{720B0A29-EE36-AA4C-B913-76D95CADEC11}" type="datetime1">
               <a:rPr lang="en-US" smtClean="0"/>
-              <a:t>7/27/18</a:t>
+              <a:t>7/9/21</a:t>
             </a:fld>
             <a:endParaRPr lang="en-US" dirty="0"/>
           </a:p>
@@ -11821,7 +11730,7 @@
             </a:r>
             <a:fld id="{3BBABA86-C064-2B42-8375-87652C8C23C2}" type="datetime1">
               <a:rPr lang="en-US" smtClean="0"/>
-              <a:t>7/27/18</a:t>
+              <a:t>7/9/21</a:t>
             </a:fld>
             <a:endParaRPr lang="en-US" dirty="0"/>
           </a:p>
@@ -12410,7 +12319,7 @@
             </a:r>
             <a:fld id="{720B0A29-EE36-AA4C-B913-76D95CADEC11}" type="datetime1">
               <a:rPr lang="en-US" smtClean="0"/>
-              <a:t>7/27/18</a:t>
+              <a:t>7/9/21</a:t>
             </a:fld>
             <a:endParaRPr lang="en-US" dirty="0"/>
           </a:p>

--- a/translations/en-us/CoreValues/TeamIdentity.pptx
+++ b/translations/en-us/CoreValues/TeamIdentity.pptx
@@ -210,7 +210,7 @@
           <a:p>
             <a:fld id="{C528CD71-4833-D241-9C24-E07BA428460D}" type="datetimeFigureOut">
               <a:rPr lang="en-US" smtClean="0"/>
-              <a:t>7/9/21</a:t>
+              <a:t>5/29/23</a:t>
             </a:fld>
             <a:endParaRPr lang="en-US"/>
           </a:p>
@@ -692,18 +692,18 @@
       </p:sp>
       <p:sp>
         <p:nvSpPr>
-          <p:cNvPr id="4" name="Date Placeholder 3"/>
+          <p:cNvPr id="5" name="Footer Placeholder 4"/>
           <p:cNvSpPr>
             <a:spLocks noGrp="1"/>
           </p:cNvSpPr>
           <p:nvPr>
-            <p:ph type="dt" sz="half" idx="10"/>
+            <p:ph type="ftr" sz="quarter" idx="11"/>
           </p:nvPr>
         </p:nvSpPr>
         <p:spPr>
           <a:xfrm>
-            <a:off x="5559327" y="6392242"/>
-            <a:ext cx="2133600" cy="365125"/>
+            <a:off x="581192" y="6387916"/>
+            <a:ext cx="5769504" cy="365125"/>
           </a:xfrm>
           <a:prstGeom prst="rect">
             <a:avLst/>
@@ -725,59 +725,10 @@
           </a:lstStyle>
           <a:p>
             <a:r>
-              <a:rPr lang="en-US" dirty="0"/>
-              <a:t>Last Edit</a:t>
-            </a:r>
-            <a:r>
               <a:rPr lang="en-US"/>
-              <a:t>: </a:t>
-            </a:r>
-            <a:fld id="{691E6EB7-59B6-3248-9EA1-7490FF4DE794}" type="datetime1">
-              <a:rPr lang="en-US" smtClean="0"/>
-              <a:t>7/9/21</a:t>
-            </a:fld>
+              <a:t>Copyright 2023, FLLTutorials.com. Last Edit: 5/29/2023</a:t>
+            </a:r>
             <a:endParaRPr lang="en-US" dirty="0"/>
-          </a:p>
-        </p:txBody>
-      </p:sp>
-      <p:sp>
-        <p:nvSpPr>
-          <p:cNvPr id="5" name="Footer Placeholder 4"/>
-          <p:cNvSpPr>
-            <a:spLocks noGrp="1"/>
-          </p:cNvSpPr>
-          <p:nvPr>
-            <p:ph type="ftr" sz="quarter" idx="11"/>
-          </p:nvPr>
-        </p:nvSpPr>
-        <p:spPr>
-          <a:xfrm>
-            <a:off x="581192" y="6387916"/>
-            <a:ext cx="4870585" cy="365125"/>
-          </a:xfrm>
-          <a:prstGeom prst="rect">
-            <a:avLst/>
-          </a:prstGeom>
-        </p:spPr>
-        <p:txBody>
-          <a:bodyPr/>
-          <a:lstStyle>
-            <a:lvl1pPr>
-              <a:defRPr>
-                <a:solidFill>
-                  <a:schemeClr val="accent1">
-                    <a:lumMod val="75000"/>
-                    <a:lumOff val="25000"/>
-                  </a:schemeClr>
-                </a:solidFill>
-              </a:defRPr>
-            </a:lvl1pPr>
-          </a:lstStyle>
-          <a:p>
-            <a:r>
-              <a:rPr lang="en-US" dirty="0"/>
-              <a:t>Copyright 2018, FLL TUTORIALS</a:t>
-            </a:r>
           </a:p>
         </p:txBody>
       </p:sp>
@@ -1042,9 +993,9 @@
           <a:bodyPr/>
           <a:lstStyle/>
           <a:p>
-            <a:fld id="{2A9A2F4D-1D3F-234C-B9C7-336E10B65EEA}" type="datetime1">
+            <a:fld id="{65BA68C9-19BD-2842-8D5B-A294608A9C79}" type="datetime1">
               <a:rPr lang="en-US" smtClean="0"/>
-              <a:t>7/9/21</a:t>
+              <a:t>5/29/23</a:t>
             </a:fld>
             <a:endParaRPr lang="en-US" dirty="0"/>
           </a:p>
@@ -1075,7 +1026,7 @@
           <a:p>
             <a:r>
               <a:rPr lang="en-US"/>
-              <a:t>Copyright 2018, FLL TUTORIALS</a:t>
+              <a:t>Copyright 2023, FLLTutorials.com. Last Edit: 5/29/2023</a:t>
             </a:r>
             <a:endParaRPr lang="en-US" dirty="0"/>
           </a:p>
@@ -1301,9 +1252,9 @@
             </a:lvl1pPr>
           </a:lstStyle>
           <a:p>
-            <a:fld id="{23A732DD-4450-D547-94AB-5BCD03AAEF9F}" type="datetime1">
+            <a:fld id="{9F38E2F7-E654-9241-9E08-B31B2A2E2A3D}" type="datetime1">
               <a:rPr lang="en-US" smtClean="0"/>
-              <a:t>7/9/21</a:t>
+              <a:t>5/29/23</a:t>
             </a:fld>
             <a:endParaRPr lang="en-US" dirty="0"/>
           </a:p>
@@ -1334,7 +1285,7 @@
           <a:p>
             <a:r>
               <a:rPr lang="en-US"/>
-              <a:t>Copyright 2018, FLL TUTORIALS</a:t>
+              <a:t>Copyright 2023, FLLTutorials.com. Last Edit: 5/29/2023</a:t>
             </a:r>
             <a:endParaRPr lang="en-US" dirty="0"/>
           </a:p>
@@ -1553,59 +1504,6 @@
       </p:sp>
       <p:sp>
         <p:nvSpPr>
-          <p:cNvPr id="8" name="Date Placeholder 3">
-            <a:extLst>
-              <a:ext uri="{FF2B5EF4-FFF2-40B4-BE49-F238E27FC236}">
-                <a16:creationId xmlns:a16="http://schemas.microsoft.com/office/drawing/2014/main" id="{5E510904-FE82-B349-843E-834D82D5778E}"/>
-              </a:ext>
-            </a:extLst>
-          </p:cNvPr>
-          <p:cNvSpPr>
-            <a:spLocks noGrp="1"/>
-          </p:cNvSpPr>
-          <p:nvPr>
-            <p:ph type="dt" sz="half" idx="10"/>
-          </p:nvPr>
-        </p:nvSpPr>
-        <p:spPr>
-          <a:xfrm>
-            <a:off x="5559327" y="6392242"/>
-            <a:ext cx="2133600" cy="365125"/>
-          </a:xfrm>
-        </p:spPr>
-        <p:txBody>
-          <a:bodyPr/>
-          <a:lstStyle>
-            <a:lvl1pPr>
-              <a:defRPr>
-                <a:solidFill>
-                  <a:schemeClr val="accent1">
-                    <a:lumMod val="75000"/>
-                    <a:lumOff val="25000"/>
-                  </a:schemeClr>
-                </a:solidFill>
-              </a:defRPr>
-            </a:lvl1pPr>
-          </a:lstStyle>
-          <a:p>
-            <a:r>
-              <a:rPr lang="en-US" dirty="0"/>
-              <a:t>Last Edit</a:t>
-            </a:r>
-            <a:r>
-              <a:rPr lang="en-US"/>
-              <a:t>: </a:t>
-            </a:r>
-            <a:fld id="{720B0A29-EE36-AA4C-B913-76D95CADEC11}" type="datetime1">
-              <a:rPr lang="en-US" smtClean="0"/>
-              <a:t>7/9/21</a:t>
-            </a:fld>
-            <a:endParaRPr lang="en-US" dirty="0"/>
-          </a:p>
-        </p:txBody>
-      </p:sp>
-      <p:sp>
-        <p:nvSpPr>
           <p:cNvPr id="9" name="Footer Placeholder 4">
             <a:extLst>
               <a:ext uri="{FF2B5EF4-FFF2-40B4-BE49-F238E27FC236}">
@@ -1623,7 +1521,7 @@
         <p:spPr>
           <a:xfrm>
             <a:off x="581192" y="6387916"/>
-            <a:ext cx="4870585" cy="365125"/>
+            <a:ext cx="5481405" cy="365125"/>
           </a:xfrm>
         </p:spPr>
         <p:txBody>
@@ -1642,9 +1540,10 @@
           </a:lstStyle>
           <a:p>
             <a:r>
-              <a:rPr lang="en-US" dirty="0"/>
-              <a:t>Copyright 2018, FLL TUTORIALS</a:t>
-            </a:r>
+              <a:rPr lang="en-US"/>
+              <a:t>Copyright 2023, FLLTutorials.com. Last Edit: 5/29/2023</a:t>
+            </a:r>
+            <a:endParaRPr lang="en-US" dirty="0"/>
           </a:p>
         </p:txBody>
       </p:sp>
@@ -2051,7 +1950,7 @@
             <a:fld id="{B61BEF0D-F0BB-DE4B-95CE-6DB70DBA9567}" type="datetimeFigureOut">
               <a:rPr lang="en-US" smtClean="0"/>
               <a:pPr/>
-              <a:t>7/9/21</a:t>
+              <a:t>5/29/23</a:t>
             </a:fld>
             <a:endParaRPr lang="en-US" dirty="0"/>
           </a:p>
@@ -2555,9 +2454,9 @@
           <a:bodyPr/>
           <a:lstStyle/>
           <a:p>
-            <a:fld id="{563BBA33-2247-AD48-9F46-2405C526DA6D}" type="datetime1">
+            <a:fld id="{6F2D2F63-BC8F-194F-8C6D-79D37E21EBE5}" type="datetime1">
               <a:rPr lang="en-US" smtClean="0"/>
-              <a:t>7/9/21</a:t>
+              <a:t>5/29/23</a:t>
             </a:fld>
             <a:endParaRPr lang="en-US" dirty="0"/>
           </a:p>
@@ -2588,7 +2487,7 @@
           <a:p>
             <a:r>
               <a:rPr lang="en-US"/>
-              <a:t>Copyright 2018, FLL TUTORIALS</a:t>
+              <a:t>Copyright 2023, FLLTutorials.com. Last Edit: 5/29/2023</a:t>
             </a:r>
             <a:endParaRPr lang="en-US" dirty="0"/>
           </a:p>
@@ -3005,9 +2904,9 @@
           <a:bodyPr/>
           <a:lstStyle/>
           <a:p>
-            <a:fld id="{E37A0713-6670-4846-B21D-7F90CC5860BF}" type="datetime1">
+            <a:fld id="{E1B03962-1CB0-3A46-9538-78A26A226C80}" type="datetime1">
               <a:rPr lang="en-US" smtClean="0"/>
-              <a:t>7/9/21</a:t>
+              <a:t>5/29/23</a:t>
             </a:fld>
             <a:endParaRPr lang="en-US" dirty="0"/>
           </a:p>
@@ -3038,7 +2937,7 @@
           <a:p>
             <a:r>
               <a:rPr lang="en-US"/>
-              <a:t>Copyright 2018, FLL TUTORIALS</a:t>
+              <a:t>Copyright 2023, FLLTutorials.com. Last Edit: 5/29/2023</a:t>
             </a:r>
             <a:endParaRPr lang="en-US" dirty="0"/>
           </a:p>
@@ -3191,9 +3090,9 @@
           <a:bodyPr/>
           <a:lstStyle/>
           <a:p>
-            <a:fld id="{88384E45-FBC5-2346-A08F-1A14F8C36C36}" type="datetime1">
+            <a:fld id="{AA3E673E-BF3A-F740-94D2-1217BD858B53}" type="datetime1">
               <a:rPr lang="en-US" smtClean="0"/>
-              <a:t>7/9/21</a:t>
+              <a:t>5/29/23</a:t>
             </a:fld>
             <a:endParaRPr lang="en-US" dirty="0"/>
           </a:p>
@@ -3224,7 +3123,7 @@
           <a:p>
             <a:r>
               <a:rPr lang="en-US"/>
-              <a:t>Copyright 2018, FLL TUTORIALS</a:t>
+              <a:t>Copyright 2023, FLLTutorials.com. Last Edit: 5/29/2023</a:t>
             </a:r>
             <a:endParaRPr lang="en-US" dirty="0"/>
           </a:p>
@@ -3315,9 +3214,9 @@
           <a:bodyPr/>
           <a:lstStyle/>
           <a:p>
-            <a:fld id="{6D5F60BB-B093-6E49-ADE2-76E74B470241}" type="datetime1">
+            <a:fld id="{33FB76C4-17A2-F940-929E-E75245CF9489}" type="datetime1">
               <a:rPr lang="en-US" smtClean="0"/>
-              <a:t>7/9/21</a:t>
+              <a:t>5/29/23</a:t>
             </a:fld>
             <a:endParaRPr lang="en-US" dirty="0"/>
           </a:p>
@@ -3348,7 +3247,7 @@
           <a:p>
             <a:r>
               <a:rPr lang="en-US"/>
-              <a:t>Copyright 2018, FLL TUTORIALS</a:t>
+              <a:t>Copyright 2023, FLLTutorials.com. Last Edit: 5/29/2023</a:t>
             </a:r>
             <a:endParaRPr lang="en-US" dirty="0"/>
           </a:p>
@@ -3722,9 +3621,9 @@
             </a:lvl1pPr>
           </a:lstStyle>
           <a:p>
-            <a:fld id="{5FF1ADD0-D4FD-DD4A-A91F-CB1DE51F1067}" type="datetime1">
+            <a:fld id="{672800EB-FCE7-9C4F-B68E-F376652E983E}" type="datetime1">
               <a:rPr lang="en-US" smtClean="0"/>
-              <a:t>7/9/21</a:t>
+              <a:t>5/29/23</a:t>
             </a:fld>
             <a:endParaRPr lang="en-US" dirty="0"/>
           </a:p>
@@ -3766,7 +3665,7 @@
           <a:p>
             <a:r>
               <a:rPr lang="en-US"/>
-              <a:t>Copyright 2018, FLL TUTORIALS</a:t>
+              <a:t>Copyright 2023, FLLTutorials.com. Last Edit: 5/29/2023</a:t>
             </a:r>
             <a:endParaRPr lang="en-US" dirty="0"/>
           </a:p>
@@ -4040,9 +3939,9 @@
           <a:bodyPr/>
           <a:lstStyle/>
           <a:p>
-            <a:fld id="{D68A31B4-C704-6440-BAE0-040CF791BCD6}" type="datetime1">
+            <a:fld id="{8BE227C1-97C2-104E-BBE2-0B4D098AE17C}" type="datetime1">
               <a:rPr lang="en-US" smtClean="0"/>
-              <a:t>7/9/21</a:t>
+              <a:t>5/29/23</a:t>
             </a:fld>
             <a:endParaRPr lang="en-US" dirty="0"/>
           </a:p>
@@ -4073,7 +3972,7 @@
           <a:p>
             <a:r>
               <a:rPr lang="en-US"/>
-              <a:t>Copyright 2018, FLL TUTORIALS</a:t>
+              <a:t>Copyright 2023, FLLTutorials.com. Last Edit: 5/29/2023</a:t>
             </a:r>
             <a:endParaRPr lang="en-US" dirty="0"/>
           </a:p>
@@ -4400,9 +4299,9 @@
               <a:rPr lang="en-US"/>
               <a:t>: </a:t>
             </a:r>
-            <a:fld id="{4AFB4AE6-904B-214F-A9B0-C8A74DB14B36}" type="datetime1">
+            <a:fld id="{7A69DCCA-86A7-364E-98B1-B2C6B12D011B}" type="datetime1">
               <a:rPr lang="en-US" smtClean="0"/>
-              <a:t>7/9/21</a:t>
+              <a:t>5/29/23</a:t>
             </a:fld>
             <a:endParaRPr lang="en-US" dirty="0"/>
           </a:p>
@@ -4449,9 +4348,10 @@
           </a:lstStyle>
           <a:p>
             <a:r>
-              <a:rPr lang="en-US" dirty="0"/>
-              <a:t>Copyright 2018, FLL TUTORIALS</a:t>
-            </a:r>
+              <a:rPr lang="en-US"/>
+              <a:t>Copyright 2023, FLLTutorials.com. Last Edit: 5/29/2023</a:t>
+            </a:r>
+            <a:endParaRPr lang="en-US" dirty="0"/>
           </a:p>
         </p:txBody>
       </p:sp>
@@ -4525,7 +4425,7 @@
     <p:sldLayoutId id="2147483682" r:id="rId10"/>
     <p:sldLayoutId id="2147483683" r:id="rId11"/>
   </p:sldLayoutIdLst>
-  <p:hf hdr="0"/>
+  <p:hf sldNum="0" hdr="0" dt="0"/>
   <p:txStyles>
     <p:titleStyle>
       <a:lvl1pPr algn="l" defTabSz="457200" rtl="0" eaLnBrk="1" latinLnBrk="0" hangingPunct="1">
@@ -5259,39 +5159,6 @@
       </p:sp>
       <p:sp>
         <p:nvSpPr>
-          <p:cNvPr id="4" name="Date Placeholder 3">
-            <a:extLst>
-              <a:ext uri="{FF2B5EF4-FFF2-40B4-BE49-F238E27FC236}">
-                <a16:creationId xmlns:a16="http://schemas.microsoft.com/office/drawing/2014/main" id="{ACAF98D3-4025-7A4A-B2EC-30C30724B8C0}"/>
-              </a:ext>
-            </a:extLst>
-          </p:cNvPr>
-          <p:cNvSpPr>
-            <a:spLocks noGrp="1"/>
-          </p:cNvSpPr>
-          <p:nvPr>
-            <p:ph type="dt" sz="half" idx="10"/>
-          </p:nvPr>
-        </p:nvSpPr>
-        <p:spPr/>
-        <p:txBody>
-          <a:bodyPr/>
-          <a:lstStyle/>
-          <a:p>
-            <a:r>
-              <a:rPr lang="en-US"/>
-              <a:t>Last Edit: </a:t>
-            </a:r>
-            <a:fld id="{720B0A29-EE36-AA4C-B913-76D95CADEC11}" type="datetime1">
-              <a:rPr lang="en-US" smtClean="0"/>
-              <a:t>7/9/21</a:t>
-            </a:fld>
-            <a:endParaRPr lang="en-US" dirty="0"/>
-          </a:p>
-        </p:txBody>
-      </p:sp>
-      <p:sp>
-        <p:nvSpPr>
           <p:cNvPr id="5" name="Footer Placeholder 4">
             <a:extLst>
               <a:ext uri="{FF2B5EF4-FFF2-40B4-BE49-F238E27FC236}">
@@ -5313,38 +5180,8 @@
           <a:p>
             <a:r>
               <a:rPr lang="en-US"/>
-              <a:t>Copyright 2018, FLL TUTORIALS</a:t>
-            </a:r>
-            <a:endParaRPr lang="en-US" dirty="0"/>
-          </a:p>
-        </p:txBody>
-      </p:sp>
-      <p:sp>
-        <p:nvSpPr>
-          <p:cNvPr id="6" name="Slide Number Placeholder 5">
-            <a:extLst>
-              <a:ext uri="{FF2B5EF4-FFF2-40B4-BE49-F238E27FC236}">
-                <a16:creationId xmlns:a16="http://schemas.microsoft.com/office/drawing/2014/main" id="{FDCD4909-4045-2E4C-98A9-8FC481344F31}"/>
-              </a:ext>
-            </a:extLst>
-          </p:cNvPr>
-          <p:cNvSpPr>
-            <a:spLocks noGrp="1"/>
-          </p:cNvSpPr>
-          <p:nvPr>
-            <p:ph type="sldNum" sz="quarter" idx="12"/>
-          </p:nvPr>
-        </p:nvSpPr>
-        <p:spPr/>
-        <p:txBody>
-          <a:bodyPr/>
-          <a:lstStyle/>
-          <a:p>
-            <a:fld id="{D57F1E4F-1CFF-5643-939E-217C01CDF565}" type="slidenum">
-              <a:rPr lang="en-US" smtClean="0"/>
-              <a:pPr/>
-              <a:t>10</a:t>
-            </a:fld>
+              <a:t>Copyright 2023, FLLTutorials.com. Last Edit: 5/29/2023</a:t>
+            </a:r>
             <a:endParaRPr lang="en-US" dirty="0"/>
           </a:p>
         </p:txBody>
@@ -5516,39 +5353,6 @@
       </p:sp>
       <p:sp>
         <p:nvSpPr>
-          <p:cNvPr id="4" name="Tijdelijke aanduiding voor datum 3">
-            <a:extLst>
-              <a:ext uri="{FF2B5EF4-FFF2-40B4-BE49-F238E27FC236}">
-                <a16:creationId xmlns:a16="http://schemas.microsoft.com/office/drawing/2014/main" id="{0EBD7C55-EA84-D143-AC79-0157ABCD1C44}"/>
-              </a:ext>
-            </a:extLst>
-          </p:cNvPr>
-          <p:cNvSpPr>
-            <a:spLocks noGrp="1"/>
-          </p:cNvSpPr>
-          <p:nvPr>
-            <p:ph type="dt" sz="half" idx="10"/>
-          </p:nvPr>
-        </p:nvSpPr>
-        <p:spPr/>
-        <p:txBody>
-          <a:bodyPr/>
-          <a:lstStyle/>
-          <a:p>
-            <a:r>
-              <a:rPr lang="en-US"/>
-              <a:t>Last Edit: </a:t>
-            </a:r>
-            <a:fld id="{720B0A29-EE36-AA4C-B913-76D95CADEC11}" type="datetime1">
-              <a:rPr lang="en-US" smtClean="0"/>
-              <a:t>7/9/21</a:t>
-            </a:fld>
-            <a:endParaRPr lang="en-US" dirty="0"/>
-          </a:p>
-        </p:txBody>
-      </p:sp>
-      <p:sp>
-        <p:nvSpPr>
           <p:cNvPr id="5" name="Tijdelijke aanduiding voor voettekst 4">
             <a:extLst>
               <a:ext uri="{FF2B5EF4-FFF2-40B4-BE49-F238E27FC236}">
@@ -5570,38 +5374,8 @@
           <a:p>
             <a:r>
               <a:rPr lang="en-US"/>
-              <a:t>Copyright 2018, FLL TUTORIALS</a:t>
-            </a:r>
-            <a:endParaRPr lang="en-US" dirty="0"/>
-          </a:p>
-        </p:txBody>
-      </p:sp>
-      <p:sp>
-        <p:nvSpPr>
-          <p:cNvPr id="6" name="Tijdelijke aanduiding voor dianummer 5">
-            <a:extLst>
-              <a:ext uri="{FF2B5EF4-FFF2-40B4-BE49-F238E27FC236}">
-                <a16:creationId xmlns:a16="http://schemas.microsoft.com/office/drawing/2014/main" id="{4E031376-F983-E04A-8CAD-F916587416F2}"/>
-              </a:ext>
-            </a:extLst>
-          </p:cNvPr>
-          <p:cNvSpPr>
-            <a:spLocks noGrp="1"/>
-          </p:cNvSpPr>
-          <p:nvPr>
-            <p:ph type="sldNum" sz="quarter" idx="12"/>
-          </p:nvPr>
-        </p:nvSpPr>
-        <p:spPr/>
-        <p:txBody>
-          <a:bodyPr/>
-          <a:lstStyle/>
-          <a:p>
-            <a:fld id="{D57F1E4F-1CFF-5643-939E-217C01CDF565}" type="slidenum">
-              <a:rPr lang="en-US" smtClean="0"/>
-              <a:pPr/>
-              <a:t>11</a:t>
-            </a:fld>
+              <a:t>Copyright 2023, FLLTutorials.com. Last Edit: 5/29/2023</a:t>
+            </a:r>
             <a:endParaRPr lang="en-US" dirty="0"/>
           </a:p>
         </p:txBody>
@@ -6028,39 +5802,6 @@
       </p:sp>
       <p:sp>
         <p:nvSpPr>
-          <p:cNvPr id="4" name="Tijdelijke aanduiding voor datum 3">
-            <a:extLst>
-              <a:ext uri="{FF2B5EF4-FFF2-40B4-BE49-F238E27FC236}">
-                <a16:creationId xmlns:a16="http://schemas.microsoft.com/office/drawing/2014/main" id="{1887D07D-A831-D445-9EAC-4F050FFD7E30}"/>
-              </a:ext>
-            </a:extLst>
-          </p:cNvPr>
-          <p:cNvSpPr>
-            <a:spLocks noGrp="1"/>
-          </p:cNvSpPr>
-          <p:nvPr>
-            <p:ph type="dt" sz="half" idx="10"/>
-          </p:nvPr>
-        </p:nvSpPr>
-        <p:spPr/>
-        <p:txBody>
-          <a:bodyPr/>
-          <a:lstStyle/>
-          <a:p>
-            <a:r>
-              <a:rPr lang="en-US"/>
-              <a:t>Last Edit: </a:t>
-            </a:r>
-            <a:fld id="{720B0A29-EE36-AA4C-B913-76D95CADEC11}" type="datetime1">
-              <a:rPr lang="en-US" smtClean="0"/>
-              <a:t>7/9/21</a:t>
-            </a:fld>
-            <a:endParaRPr lang="en-US" dirty="0"/>
-          </a:p>
-        </p:txBody>
-      </p:sp>
-      <p:sp>
-        <p:nvSpPr>
           <p:cNvPr id="5" name="Tijdelijke aanduiding voor voettekst 4">
             <a:extLst>
               <a:ext uri="{FF2B5EF4-FFF2-40B4-BE49-F238E27FC236}">
@@ -6082,38 +5823,8 @@
           <a:p>
             <a:r>
               <a:rPr lang="en-US"/>
-              <a:t>Copyright 2018, FLL TUTORIALS</a:t>
-            </a:r>
-            <a:endParaRPr lang="en-US" dirty="0"/>
-          </a:p>
-        </p:txBody>
-      </p:sp>
-      <p:sp>
-        <p:nvSpPr>
-          <p:cNvPr id="6" name="Tijdelijke aanduiding voor dianummer 5">
-            <a:extLst>
-              <a:ext uri="{FF2B5EF4-FFF2-40B4-BE49-F238E27FC236}">
-                <a16:creationId xmlns:a16="http://schemas.microsoft.com/office/drawing/2014/main" id="{69E64DB9-D3B6-8D41-BBE4-960F174BC3FA}"/>
-              </a:ext>
-            </a:extLst>
-          </p:cNvPr>
-          <p:cNvSpPr>
-            <a:spLocks noGrp="1"/>
-          </p:cNvSpPr>
-          <p:nvPr>
-            <p:ph type="sldNum" sz="quarter" idx="12"/>
-          </p:nvPr>
-        </p:nvSpPr>
-        <p:spPr/>
-        <p:txBody>
-          <a:bodyPr/>
-          <a:lstStyle/>
-          <a:p>
-            <a:fld id="{D57F1E4F-1CFF-5643-939E-217C01CDF565}" type="slidenum">
-              <a:rPr lang="en-US" smtClean="0"/>
-              <a:pPr/>
-              <a:t>12</a:t>
-            </a:fld>
+              <a:t>Copyright 2023, FLLTutorials.com. Last Edit: 5/29/2023</a:t>
+            </a:r>
             <a:endParaRPr lang="en-US" dirty="0"/>
           </a:p>
         </p:txBody>
@@ -6647,39 +6358,6 @@
       </p:sp>
       <p:sp>
         <p:nvSpPr>
-          <p:cNvPr id="4" name="Tijdelijke aanduiding voor datum 3">
-            <a:extLst>
-              <a:ext uri="{FF2B5EF4-FFF2-40B4-BE49-F238E27FC236}">
-                <a16:creationId xmlns:a16="http://schemas.microsoft.com/office/drawing/2014/main" id="{EB03A140-7652-D14D-A7C5-0F53CD9F189C}"/>
-              </a:ext>
-            </a:extLst>
-          </p:cNvPr>
-          <p:cNvSpPr>
-            <a:spLocks noGrp="1"/>
-          </p:cNvSpPr>
-          <p:nvPr>
-            <p:ph type="dt" sz="half" idx="10"/>
-          </p:nvPr>
-        </p:nvSpPr>
-        <p:spPr/>
-        <p:txBody>
-          <a:bodyPr/>
-          <a:lstStyle/>
-          <a:p>
-            <a:r>
-              <a:rPr lang="en-US"/>
-              <a:t>Last Edit: </a:t>
-            </a:r>
-            <a:fld id="{720B0A29-EE36-AA4C-B913-76D95CADEC11}" type="datetime1">
-              <a:rPr lang="en-US" smtClean="0"/>
-              <a:t>7/9/21</a:t>
-            </a:fld>
-            <a:endParaRPr lang="en-US" dirty="0"/>
-          </a:p>
-        </p:txBody>
-      </p:sp>
-      <p:sp>
-        <p:nvSpPr>
           <p:cNvPr id="5" name="Tijdelijke aanduiding voor voettekst 4">
             <a:extLst>
               <a:ext uri="{FF2B5EF4-FFF2-40B4-BE49-F238E27FC236}">
@@ -6701,38 +6379,8 @@
           <a:p>
             <a:r>
               <a:rPr lang="en-US"/>
-              <a:t>Copyright 2018, FLL TUTORIALS</a:t>
-            </a:r>
-            <a:endParaRPr lang="en-US" dirty="0"/>
-          </a:p>
-        </p:txBody>
-      </p:sp>
-      <p:sp>
-        <p:nvSpPr>
-          <p:cNvPr id="6" name="Tijdelijke aanduiding voor dianummer 5">
-            <a:extLst>
-              <a:ext uri="{FF2B5EF4-FFF2-40B4-BE49-F238E27FC236}">
-                <a16:creationId xmlns:a16="http://schemas.microsoft.com/office/drawing/2014/main" id="{9920B4C3-D5D8-4645-94DE-DECF99661896}"/>
-              </a:ext>
-            </a:extLst>
-          </p:cNvPr>
-          <p:cNvSpPr>
-            <a:spLocks noGrp="1"/>
-          </p:cNvSpPr>
-          <p:nvPr>
-            <p:ph type="sldNum" sz="quarter" idx="12"/>
-          </p:nvPr>
-        </p:nvSpPr>
-        <p:spPr/>
-        <p:txBody>
-          <a:bodyPr/>
-          <a:lstStyle/>
-          <a:p>
-            <a:fld id="{D57F1E4F-1CFF-5643-939E-217C01CDF565}" type="slidenum">
-              <a:rPr lang="en-US" smtClean="0"/>
-              <a:pPr/>
-              <a:t>13</a:t>
-            </a:fld>
+              <a:t>Copyright 2023, FLLTutorials.com. Last Edit: 5/29/2023</a:t>
+            </a:r>
             <a:endParaRPr lang="en-US" dirty="0"/>
           </a:p>
         </p:txBody>
@@ -6960,39 +6608,6 @@
       </p:sp>
       <p:sp>
         <p:nvSpPr>
-          <p:cNvPr id="4" name="Date Placeholder 3">
-            <a:extLst>
-              <a:ext uri="{FF2B5EF4-FFF2-40B4-BE49-F238E27FC236}">
-                <a16:creationId xmlns:a16="http://schemas.microsoft.com/office/drawing/2014/main" id="{F65C6760-A8C8-6440-8EEA-724966A6F0BD}"/>
-              </a:ext>
-            </a:extLst>
-          </p:cNvPr>
-          <p:cNvSpPr>
-            <a:spLocks noGrp="1"/>
-          </p:cNvSpPr>
-          <p:nvPr>
-            <p:ph type="dt" sz="half" idx="10"/>
-          </p:nvPr>
-        </p:nvSpPr>
-        <p:spPr/>
-        <p:txBody>
-          <a:bodyPr/>
-          <a:lstStyle/>
-          <a:p>
-            <a:r>
-              <a:rPr lang="en-US"/>
-              <a:t>Last Edit: </a:t>
-            </a:r>
-            <a:fld id="{36683BD2-4810-EF43-B5CB-A49746490A3C}" type="datetime1">
-              <a:rPr lang="en-US" smtClean="0"/>
-              <a:t>7/9/21</a:t>
-            </a:fld>
-            <a:endParaRPr lang="en-US" dirty="0"/>
-          </a:p>
-        </p:txBody>
-      </p:sp>
-      <p:sp>
-        <p:nvSpPr>
           <p:cNvPr id="5" name="Footer Placeholder 4">
             <a:extLst>
               <a:ext uri="{FF2B5EF4-FFF2-40B4-BE49-F238E27FC236}">
@@ -7014,38 +6629,8 @@
           <a:p>
             <a:r>
               <a:rPr lang="en-US"/>
-              <a:t>Copyright 2018, FLL TUTORIALS</a:t>
-            </a:r>
-            <a:endParaRPr lang="en-US" dirty="0"/>
-          </a:p>
-        </p:txBody>
-      </p:sp>
-      <p:sp>
-        <p:nvSpPr>
-          <p:cNvPr id="6" name="Slide Number Placeholder 5">
-            <a:extLst>
-              <a:ext uri="{FF2B5EF4-FFF2-40B4-BE49-F238E27FC236}">
-                <a16:creationId xmlns:a16="http://schemas.microsoft.com/office/drawing/2014/main" id="{439F0430-4E01-8F48-A58B-C93EB2699A08}"/>
-              </a:ext>
-            </a:extLst>
-          </p:cNvPr>
-          <p:cNvSpPr>
-            <a:spLocks noGrp="1"/>
-          </p:cNvSpPr>
-          <p:nvPr>
-            <p:ph type="sldNum" sz="quarter" idx="12"/>
-          </p:nvPr>
-        </p:nvSpPr>
-        <p:spPr/>
-        <p:txBody>
-          <a:bodyPr/>
-          <a:lstStyle/>
-          <a:p>
-            <a:fld id="{D57F1E4F-1CFF-5643-939E-217C01CDF565}" type="slidenum">
-              <a:rPr lang="en-US" smtClean="0"/>
-              <a:pPr/>
-              <a:t>14</a:t>
-            </a:fld>
+              <a:t>Copyright 2023, FLLTutorials.com. Last Edit: 5/29/2023</a:t>
+            </a:r>
             <a:endParaRPr lang="en-US" dirty="0"/>
           </a:p>
         </p:txBody>
@@ -7172,7 +6757,11 @@
           <a:p>
             <a:r>
               <a:rPr lang="nl-NL" dirty="0"/>
-              <a:t>MEET THE TEAM</a:t>
+              <a:t>MEET THE </a:t>
+            </a:r>
+            <a:r>
+              <a:rPr lang="nl-NL" dirty="0" err="1"/>
+              <a:t>Authors</a:t>
             </a:r>
             <a:endParaRPr lang="en-US" dirty="0"/>
           </a:p>
@@ -7290,39 +6879,6 @@
       </p:sp>
       <p:sp>
         <p:nvSpPr>
-          <p:cNvPr id="4" name="Date Placeholder 3">
-            <a:extLst>
-              <a:ext uri="{FF2B5EF4-FFF2-40B4-BE49-F238E27FC236}">
-                <a16:creationId xmlns:a16="http://schemas.microsoft.com/office/drawing/2014/main" id="{3723F20F-FE6C-A342-8FD0-7276B18D25C9}"/>
-              </a:ext>
-            </a:extLst>
-          </p:cNvPr>
-          <p:cNvSpPr>
-            <a:spLocks noGrp="1"/>
-          </p:cNvSpPr>
-          <p:nvPr>
-            <p:ph type="dt" sz="half" idx="10"/>
-          </p:nvPr>
-        </p:nvSpPr>
-        <p:spPr/>
-        <p:txBody>
-          <a:bodyPr/>
-          <a:lstStyle/>
-          <a:p>
-            <a:r>
-              <a:rPr lang="en-US"/>
-              <a:t>Last Edit: </a:t>
-            </a:r>
-            <a:fld id="{720B0A29-EE36-AA4C-B913-76D95CADEC11}" type="datetime1">
-              <a:rPr lang="en-US" smtClean="0"/>
-              <a:t>7/9/21</a:t>
-            </a:fld>
-            <a:endParaRPr lang="en-US" dirty="0"/>
-          </a:p>
-        </p:txBody>
-      </p:sp>
-      <p:sp>
-        <p:nvSpPr>
           <p:cNvPr id="5" name="Footer Placeholder 4">
             <a:extLst>
               <a:ext uri="{FF2B5EF4-FFF2-40B4-BE49-F238E27FC236}">
@@ -7344,38 +6900,8 @@
           <a:p>
             <a:r>
               <a:rPr lang="en-US"/>
-              <a:t>Copyright 2018, FLL TUTORIALS</a:t>
-            </a:r>
-            <a:endParaRPr lang="en-US" dirty="0"/>
-          </a:p>
-        </p:txBody>
-      </p:sp>
-      <p:sp>
-        <p:nvSpPr>
-          <p:cNvPr id="6" name="Slide Number Placeholder 5">
-            <a:extLst>
-              <a:ext uri="{FF2B5EF4-FFF2-40B4-BE49-F238E27FC236}">
-                <a16:creationId xmlns:a16="http://schemas.microsoft.com/office/drawing/2014/main" id="{C82A711C-43E5-C24C-A6A4-A7D95777555C}"/>
-              </a:ext>
-            </a:extLst>
-          </p:cNvPr>
-          <p:cNvSpPr>
-            <a:spLocks noGrp="1"/>
-          </p:cNvSpPr>
-          <p:nvPr>
-            <p:ph type="sldNum" sz="quarter" idx="12"/>
-          </p:nvPr>
-        </p:nvSpPr>
-        <p:spPr/>
-        <p:txBody>
-          <a:bodyPr/>
-          <a:lstStyle/>
-          <a:p>
-            <a:fld id="{D57F1E4F-1CFF-5643-939E-217C01CDF565}" type="slidenum">
-              <a:rPr lang="en-US" smtClean="0"/>
-              <a:pPr/>
-              <a:t>2</a:t>
-            </a:fld>
+              <a:t>Copyright 2023, FLLTutorials.com. Last Edit: 5/29/2023</a:t>
+            </a:r>
             <a:endParaRPr lang="en-US" dirty="0"/>
           </a:p>
         </p:txBody>
@@ -7549,39 +7075,6 @@
       </p:sp>
       <p:sp>
         <p:nvSpPr>
-          <p:cNvPr id="5" name="Date Placeholder 4">
-            <a:extLst>
-              <a:ext uri="{FF2B5EF4-FFF2-40B4-BE49-F238E27FC236}">
-                <a16:creationId xmlns:a16="http://schemas.microsoft.com/office/drawing/2014/main" id="{5D1E09E9-3701-C846-A73C-66EABC5BE961}"/>
-              </a:ext>
-            </a:extLst>
-          </p:cNvPr>
-          <p:cNvSpPr>
-            <a:spLocks noGrp="1"/>
-          </p:cNvSpPr>
-          <p:nvPr>
-            <p:ph type="dt" sz="half" idx="10"/>
-          </p:nvPr>
-        </p:nvSpPr>
-        <p:spPr/>
-        <p:txBody>
-          <a:bodyPr/>
-          <a:lstStyle/>
-          <a:p>
-            <a:r>
-              <a:rPr lang="en-US"/>
-              <a:t>Last Edit: </a:t>
-            </a:r>
-            <a:fld id="{3BBABA86-C064-2B42-8375-87652C8C23C2}" type="datetime1">
-              <a:rPr lang="en-US" smtClean="0"/>
-              <a:t>7/9/21</a:t>
-            </a:fld>
-            <a:endParaRPr lang="en-US" dirty="0"/>
-          </a:p>
-        </p:txBody>
-      </p:sp>
-      <p:sp>
-        <p:nvSpPr>
           <p:cNvPr id="7" name="Footer Placeholder 6">
             <a:extLst>
               <a:ext uri="{FF2B5EF4-FFF2-40B4-BE49-F238E27FC236}">
@@ -7602,9 +7095,10 @@
           <a:lstStyle/>
           <a:p>
             <a:r>
-              <a:rPr lang="en-US" dirty="0"/>
-              <a:t>Copyright 2018, FLL TUTORIALS</a:t>
-            </a:r>
+              <a:rPr lang="en-US"/>
+              <a:t>Copyright 2023, FLLTutorials.com. Last Edit: 5/29/2023</a:t>
+            </a:r>
+            <a:endParaRPr lang="en-US" dirty="0"/>
           </a:p>
         </p:txBody>
       </p:sp>
@@ -7996,39 +7490,6 @@
       </p:sp>
       <p:sp>
         <p:nvSpPr>
-          <p:cNvPr id="4" name="Date Placeholder 3">
-            <a:extLst>
-              <a:ext uri="{FF2B5EF4-FFF2-40B4-BE49-F238E27FC236}">
-                <a16:creationId xmlns:a16="http://schemas.microsoft.com/office/drawing/2014/main" id="{7289037D-2C38-514B-9BA2-1A43CDA0F030}"/>
-              </a:ext>
-            </a:extLst>
-          </p:cNvPr>
-          <p:cNvSpPr>
-            <a:spLocks noGrp="1"/>
-          </p:cNvSpPr>
-          <p:nvPr>
-            <p:ph type="dt" sz="half" idx="10"/>
-          </p:nvPr>
-        </p:nvSpPr>
-        <p:spPr/>
-        <p:txBody>
-          <a:bodyPr/>
-          <a:lstStyle/>
-          <a:p>
-            <a:r>
-              <a:rPr lang="en-US"/>
-              <a:t>Last Edit: </a:t>
-            </a:r>
-            <a:fld id="{720B0A29-EE36-AA4C-B913-76D95CADEC11}" type="datetime1">
-              <a:rPr lang="en-US" smtClean="0"/>
-              <a:t>7/9/21</a:t>
-            </a:fld>
-            <a:endParaRPr lang="en-US" dirty="0"/>
-          </a:p>
-        </p:txBody>
-      </p:sp>
-      <p:sp>
-        <p:nvSpPr>
           <p:cNvPr id="5" name="Footer Placeholder 4">
             <a:extLst>
               <a:ext uri="{FF2B5EF4-FFF2-40B4-BE49-F238E27FC236}">
@@ -8050,38 +7511,8 @@
           <a:p>
             <a:r>
               <a:rPr lang="en-US"/>
-              <a:t>Copyright 2018, FLL TUTORIALS</a:t>
-            </a:r>
-            <a:endParaRPr lang="en-US" dirty="0"/>
-          </a:p>
-        </p:txBody>
-      </p:sp>
-      <p:sp>
-        <p:nvSpPr>
-          <p:cNvPr id="6" name="Slide Number Placeholder 5">
-            <a:extLst>
-              <a:ext uri="{FF2B5EF4-FFF2-40B4-BE49-F238E27FC236}">
-                <a16:creationId xmlns:a16="http://schemas.microsoft.com/office/drawing/2014/main" id="{951514FD-D487-DD4E-B77D-3B056AD49686}"/>
-              </a:ext>
-            </a:extLst>
-          </p:cNvPr>
-          <p:cNvSpPr>
-            <a:spLocks noGrp="1"/>
-          </p:cNvSpPr>
-          <p:nvPr>
-            <p:ph type="sldNum" sz="quarter" idx="12"/>
-          </p:nvPr>
-        </p:nvSpPr>
-        <p:spPr/>
-        <p:txBody>
-          <a:bodyPr/>
-          <a:lstStyle/>
-          <a:p>
-            <a:fld id="{D57F1E4F-1CFF-5643-939E-217C01CDF565}" type="slidenum">
-              <a:rPr lang="en-US" smtClean="0"/>
-              <a:pPr/>
-              <a:t>4</a:t>
-            </a:fld>
+              <a:t>Copyright 2023, FLLTutorials.com. Last Edit: 5/29/2023</a:t>
+            </a:r>
             <a:endParaRPr lang="en-US" dirty="0"/>
           </a:p>
         </p:txBody>
@@ -8146,39 +7577,6 @@
       </p:sp>
       <p:sp>
         <p:nvSpPr>
-          <p:cNvPr id="4" name="Date Placeholder 3">
-            <a:extLst>
-              <a:ext uri="{FF2B5EF4-FFF2-40B4-BE49-F238E27FC236}">
-                <a16:creationId xmlns:a16="http://schemas.microsoft.com/office/drawing/2014/main" id="{A01FA275-E2A1-B548-920B-B678147FD8CB}"/>
-              </a:ext>
-            </a:extLst>
-          </p:cNvPr>
-          <p:cNvSpPr>
-            <a:spLocks noGrp="1"/>
-          </p:cNvSpPr>
-          <p:nvPr>
-            <p:ph type="dt" sz="half" idx="10"/>
-          </p:nvPr>
-        </p:nvSpPr>
-        <p:spPr/>
-        <p:txBody>
-          <a:bodyPr/>
-          <a:lstStyle/>
-          <a:p>
-            <a:r>
-              <a:rPr lang="en-US"/>
-              <a:t>Last Edit: </a:t>
-            </a:r>
-            <a:fld id="{720B0A29-EE36-AA4C-B913-76D95CADEC11}" type="datetime1">
-              <a:rPr lang="en-US" smtClean="0"/>
-              <a:t>7/9/21</a:t>
-            </a:fld>
-            <a:endParaRPr lang="en-US" dirty="0"/>
-          </a:p>
-        </p:txBody>
-      </p:sp>
-      <p:sp>
-        <p:nvSpPr>
           <p:cNvPr id="5" name="Footer Placeholder 4">
             <a:extLst>
               <a:ext uri="{FF2B5EF4-FFF2-40B4-BE49-F238E27FC236}">
@@ -8200,38 +7598,8 @@
           <a:p>
             <a:r>
               <a:rPr lang="en-US"/>
-              <a:t>Copyright 2018, FLL TUTORIALS</a:t>
-            </a:r>
-            <a:endParaRPr lang="en-US" dirty="0"/>
-          </a:p>
-        </p:txBody>
-      </p:sp>
-      <p:sp>
-        <p:nvSpPr>
-          <p:cNvPr id="6" name="Slide Number Placeholder 5">
-            <a:extLst>
-              <a:ext uri="{FF2B5EF4-FFF2-40B4-BE49-F238E27FC236}">
-                <a16:creationId xmlns:a16="http://schemas.microsoft.com/office/drawing/2014/main" id="{A1C11C3A-D9CE-7B45-A71E-AF8B2EA94812}"/>
-              </a:ext>
-            </a:extLst>
-          </p:cNvPr>
-          <p:cNvSpPr>
-            <a:spLocks noGrp="1"/>
-          </p:cNvSpPr>
-          <p:nvPr>
-            <p:ph type="sldNum" sz="quarter" idx="12"/>
-          </p:nvPr>
-        </p:nvSpPr>
-        <p:spPr/>
-        <p:txBody>
-          <a:bodyPr/>
-          <a:lstStyle/>
-          <a:p>
-            <a:fld id="{D57F1E4F-1CFF-5643-939E-217C01CDF565}" type="slidenum">
-              <a:rPr lang="en-US" smtClean="0"/>
-              <a:pPr/>
-              <a:t>5</a:t>
-            </a:fld>
+              <a:t>Copyright 2023, FLLTutorials.com. Last Edit: 5/29/2023</a:t>
+            </a:r>
             <a:endParaRPr lang="en-US" dirty="0"/>
           </a:p>
         </p:txBody>
@@ -10283,39 +9651,6 @@
       </p:sp>
       <p:sp>
         <p:nvSpPr>
-          <p:cNvPr id="4" name="Tijdelijke aanduiding voor datum 3">
-            <a:extLst>
-              <a:ext uri="{FF2B5EF4-FFF2-40B4-BE49-F238E27FC236}">
-                <a16:creationId xmlns:a16="http://schemas.microsoft.com/office/drawing/2014/main" id="{DD42DF6B-1BD0-EC4D-89BC-9D5977E32575}"/>
-              </a:ext>
-            </a:extLst>
-          </p:cNvPr>
-          <p:cNvSpPr>
-            <a:spLocks noGrp="1"/>
-          </p:cNvSpPr>
-          <p:nvPr>
-            <p:ph type="dt" sz="half" idx="10"/>
-          </p:nvPr>
-        </p:nvSpPr>
-        <p:spPr/>
-        <p:txBody>
-          <a:bodyPr/>
-          <a:lstStyle/>
-          <a:p>
-            <a:r>
-              <a:rPr lang="en-US"/>
-              <a:t>Last Edit: </a:t>
-            </a:r>
-            <a:fld id="{720B0A29-EE36-AA4C-B913-76D95CADEC11}" type="datetime1">
-              <a:rPr lang="en-US" smtClean="0"/>
-              <a:t>7/9/21</a:t>
-            </a:fld>
-            <a:endParaRPr lang="en-US" dirty="0"/>
-          </a:p>
-        </p:txBody>
-      </p:sp>
-      <p:sp>
-        <p:nvSpPr>
           <p:cNvPr id="5" name="Tijdelijke aanduiding voor voettekst 4">
             <a:extLst>
               <a:ext uri="{FF2B5EF4-FFF2-40B4-BE49-F238E27FC236}">
@@ -10337,38 +9672,8 @@
           <a:p>
             <a:r>
               <a:rPr lang="en-US"/>
-              <a:t>Copyright 2018, FLL TUTORIALS</a:t>
-            </a:r>
-            <a:endParaRPr lang="en-US" dirty="0"/>
-          </a:p>
-        </p:txBody>
-      </p:sp>
-      <p:sp>
-        <p:nvSpPr>
-          <p:cNvPr id="6" name="Tijdelijke aanduiding voor dianummer 5">
-            <a:extLst>
-              <a:ext uri="{FF2B5EF4-FFF2-40B4-BE49-F238E27FC236}">
-                <a16:creationId xmlns:a16="http://schemas.microsoft.com/office/drawing/2014/main" id="{B4AE0A67-3B33-5C4B-B903-5A08D6A39291}"/>
-              </a:ext>
-            </a:extLst>
-          </p:cNvPr>
-          <p:cNvSpPr>
-            <a:spLocks noGrp="1"/>
-          </p:cNvSpPr>
-          <p:nvPr>
-            <p:ph type="sldNum" sz="quarter" idx="12"/>
-          </p:nvPr>
-        </p:nvSpPr>
-        <p:spPr/>
-        <p:txBody>
-          <a:bodyPr/>
-          <a:lstStyle/>
-          <a:p>
-            <a:fld id="{D57F1E4F-1CFF-5643-939E-217C01CDF565}" type="slidenum">
-              <a:rPr lang="en-US" smtClean="0"/>
-              <a:pPr/>
-              <a:t>6</a:t>
-            </a:fld>
+              <a:t>Copyright 2023, FLLTutorials.com. Last Edit: 5/29/2023</a:t>
+            </a:r>
             <a:endParaRPr lang="en-US" dirty="0"/>
           </a:p>
         </p:txBody>
@@ -11214,39 +10519,6 @@
       </p:sp>
       <p:sp>
         <p:nvSpPr>
-          <p:cNvPr id="4" name="Tijdelijke aanduiding voor datum 3">
-            <a:extLst>
-              <a:ext uri="{FF2B5EF4-FFF2-40B4-BE49-F238E27FC236}">
-                <a16:creationId xmlns:a16="http://schemas.microsoft.com/office/drawing/2014/main" id="{A5D90D46-BA1C-2E45-A3A9-E083091D865C}"/>
-              </a:ext>
-            </a:extLst>
-          </p:cNvPr>
-          <p:cNvSpPr>
-            <a:spLocks noGrp="1"/>
-          </p:cNvSpPr>
-          <p:nvPr>
-            <p:ph type="dt" sz="half" idx="10"/>
-          </p:nvPr>
-        </p:nvSpPr>
-        <p:spPr/>
-        <p:txBody>
-          <a:bodyPr/>
-          <a:lstStyle/>
-          <a:p>
-            <a:r>
-              <a:rPr lang="en-US"/>
-              <a:t>Last Edit: </a:t>
-            </a:r>
-            <a:fld id="{720B0A29-EE36-AA4C-B913-76D95CADEC11}" type="datetime1">
-              <a:rPr lang="en-US" smtClean="0"/>
-              <a:t>7/9/21</a:t>
-            </a:fld>
-            <a:endParaRPr lang="en-US" dirty="0"/>
-          </a:p>
-        </p:txBody>
-      </p:sp>
-      <p:sp>
-        <p:nvSpPr>
           <p:cNvPr id="5" name="Tijdelijke aanduiding voor voettekst 4">
             <a:extLst>
               <a:ext uri="{FF2B5EF4-FFF2-40B4-BE49-F238E27FC236}">
@@ -11268,38 +10540,8 @@
           <a:p>
             <a:r>
               <a:rPr lang="en-US"/>
-              <a:t>Copyright 2018, FLL TUTORIALS</a:t>
-            </a:r>
-            <a:endParaRPr lang="en-US" dirty="0"/>
-          </a:p>
-        </p:txBody>
-      </p:sp>
-      <p:sp>
-        <p:nvSpPr>
-          <p:cNvPr id="6" name="Tijdelijke aanduiding voor dianummer 5">
-            <a:extLst>
-              <a:ext uri="{FF2B5EF4-FFF2-40B4-BE49-F238E27FC236}">
-                <a16:creationId xmlns:a16="http://schemas.microsoft.com/office/drawing/2014/main" id="{8FA55973-154E-DD44-AC30-28816580C0A6}"/>
-              </a:ext>
-            </a:extLst>
-          </p:cNvPr>
-          <p:cNvSpPr>
-            <a:spLocks noGrp="1"/>
-          </p:cNvSpPr>
-          <p:nvPr>
-            <p:ph type="sldNum" sz="quarter" idx="12"/>
-          </p:nvPr>
-        </p:nvSpPr>
-        <p:spPr/>
-        <p:txBody>
-          <a:bodyPr/>
-          <a:lstStyle/>
-          <a:p>
-            <a:fld id="{D57F1E4F-1CFF-5643-939E-217C01CDF565}" type="slidenum">
-              <a:rPr lang="en-US" smtClean="0"/>
-              <a:pPr/>
-              <a:t>7</a:t>
-            </a:fld>
+              <a:t>Copyright 2023, FLLTutorials.com. Last Edit: 5/29/2023</a:t>
+            </a:r>
             <a:endParaRPr lang="en-US" dirty="0"/>
           </a:p>
         </p:txBody>
@@ -11705,39 +10947,6 @@
       </p:sp>
       <p:sp>
         <p:nvSpPr>
-          <p:cNvPr id="5" name="Date Placeholder 4">
-            <a:extLst>
-              <a:ext uri="{FF2B5EF4-FFF2-40B4-BE49-F238E27FC236}">
-                <a16:creationId xmlns:a16="http://schemas.microsoft.com/office/drawing/2014/main" id="{5D1E09E9-3701-C846-A73C-66EABC5BE961}"/>
-              </a:ext>
-            </a:extLst>
-          </p:cNvPr>
-          <p:cNvSpPr>
-            <a:spLocks noGrp="1"/>
-          </p:cNvSpPr>
-          <p:nvPr>
-            <p:ph type="dt" sz="half" idx="10"/>
-          </p:nvPr>
-        </p:nvSpPr>
-        <p:spPr/>
-        <p:txBody>
-          <a:bodyPr/>
-          <a:lstStyle/>
-          <a:p>
-            <a:r>
-              <a:rPr lang="en-US"/>
-              <a:t>Last Edit: </a:t>
-            </a:r>
-            <a:fld id="{3BBABA86-C064-2B42-8375-87652C8C23C2}" type="datetime1">
-              <a:rPr lang="en-US" smtClean="0"/>
-              <a:t>7/9/21</a:t>
-            </a:fld>
-            <a:endParaRPr lang="en-US" dirty="0"/>
-          </a:p>
-        </p:txBody>
-      </p:sp>
-      <p:sp>
-        <p:nvSpPr>
           <p:cNvPr id="7" name="Footer Placeholder 6">
             <a:extLst>
               <a:ext uri="{FF2B5EF4-FFF2-40B4-BE49-F238E27FC236}">
@@ -11758,9 +10967,10 @@
           <a:lstStyle/>
           <a:p>
             <a:r>
-              <a:rPr lang="en-US" dirty="0"/>
-              <a:t>Copyright 2018, FLL TUTORIALS</a:t>
-            </a:r>
+              <a:rPr lang="en-US"/>
+              <a:t>Copyright 2023, FLLTutorials.com. Last Edit: 5/29/2023</a:t>
+            </a:r>
+            <a:endParaRPr lang="en-US" dirty="0"/>
           </a:p>
         </p:txBody>
       </p:sp>
@@ -12294,39 +11504,6 @@
       </p:sp>
       <p:sp>
         <p:nvSpPr>
-          <p:cNvPr id="4" name="Tijdelijke aanduiding voor datum 3">
-            <a:extLst>
-              <a:ext uri="{FF2B5EF4-FFF2-40B4-BE49-F238E27FC236}">
-                <a16:creationId xmlns:a16="http://schemas.microsoft.com/office/drawing/2014/main" id="{392CC9D2-10A5-8747-A71C-F98E92E4F37A}"/>
-              </a:ext>
-            </a:extLst>
-          </p:cNvPr>
-          <p:cNvSpPr>
-            <a:spLocks noGrp="1"/>
-          </p:cNvSpPr>
-          <p:nvPr>
-            <p:ph type="dt" sz="half" idx="10"/>
-          </p:nvPr>
-        </p:nvSpPr>
-        <p:spPr/>
-        <p:txBody>
-          <a:bodyPr/>
-          <a:lstStyle/>
-          <a:p>
-            <a:r>
-              <a:rPr lang="en-US"/>
-              <a:t>Last Edit: </a:t>
-            </a:r>
-            <a:fld id="{720B0A29-EE36-AA4C-B913-76D95CADEC11}" type="datetime1">
-              <a:rPr lang="en-US" smtClean="0"/>
-              <a:t>7/9/21</a:t>
-            </a:fld>
-            <a:endParaRPr lang="en-US" dirty="0"/>
-          </a:p>
-        </p:txBody>
-      </p:sp>
-      <p:sp>
-        <p:nvSpPr>
           <p:cNvPr id="5" name="Tijdelijke aanduiding voor voettekst 4">
             <a:extLst>
               <a:ext uri="{FF2B5EF4-FFF2-40B4-BE49-F238E27FC236}">
@@ -12348,38 +11525,8 @@
           <a:p>
             <a:r>
               <a:rPr lang="en-US"/>
-              <a:t>Copyright 2018, FLL TUTORIALS</a:t>
-            </a:r>
-            <a:endParaRPr lang="en-US" dirty="0"/>
-          </a:p>
-        </p:txBody>
-      </p:sp>
-      <p:sp>
-        <p:nvSpPr>
-          <p:cNvPr id="6" name="Tijdelijke aanduiding voor dianummer 5">
-            <a:extLst>
-              <a:ext uri="{FF2B5EF4-FFF2-40B4-BE49-F238E27FC236}">
-                <a16:creationId xmlns:a16="http://schemas.microsoft.com/office/drawing/2014/main" id="{7CC10D68-4C52-BC42-A515-7A5685EE65D9}"/>
-              </a:ext>
-            </a:extLst>
-          </p:cNvPr>
-          <p:cNvSpPr>
-            <a:spLocks noGrp="1"/>
-          </p:cNvSpPr>
-          <p:nvPr>
-            <p:ph type="sldNum" sz="quarter" idx="12"/>
-          </p:nvPr>
-        </p:nvSpPr>
-        <p:spPr/>
-        <p:txBody>
-          <a:bodyPr/>
-          <a:lstStyle/>
-          <a:p>
-            <a:fld id="{D57F1E4F-1CFF-5643-939E-217C01CDF565}" type="slidenum">
-              <a:rPr lang="en-US" smtClean="0"/>
-              <a:pPr/>
-              <a:t>9</a:t>
-            </a:fld>
+              <a:t>Copyright 2023, FLLTutorials.com. Last Edit: 5/29/2023</a:t>
+            </a:r>
             <a:endParaRPr lang="en-US" dirty="0"/>
           </a:p>
         </p:txBody>
